--- a/pictures/REINTimeDistribution.pptx
+++ b/pictures/REINTimeDistribution.pptx
@@ -270,7 +270,7 @@
           <a:p>
             <a:fld id="{1FD00A54-2F6B-4922-9C88-F023DA4BC44C}" type="datetimeFigureOut">
               <a:rPr lang="zh-CN" altLang="en-US" smtClean="0"/>
-              <a:t>2021/11/6</a:t>
+              <a:t>2021/11/7</a:t>
             </a:fld>
             <a:endParaRPr lang="zh-CN" altLang="en-US"/>
           </a:p>
@@ -468,7 +468,7 @@
           <a:p>
             <a:fld id="{1FD00A54-2F6B-4922-9C88-F023DA4BC44C}" type="datetimeFigureOut">
               <a:rPr lang="zh-CN" altLang="en-US" smtClean="0"/>
-              <a:t>2021/11/6</a:t>
+              <a:t>2021/11/7</a:t>
             </a:fld>
             <a:endParaRPr lang="zh-CN" altLang="en-US"/>
           </a:p>
@@ -676,7 +676,7 @@
           <a:p>
             <a:fld id="{1FD00A54-2F6B-4922-9C88-F023DA4BC44C}" type="datetimeFigureOut">
               <a:rPr lang="zh-CN" altLang="en-US" smtClean="0"/>
-              <a:t>2021/11/6</a:t>
+              <a:t>2021/11/7</a:t>
             </a:fld>
             <a:endParaRPr lang="zh-CN" altLang="en-US"/>
           </a:p>
@@ -874,7 +874,7 @@
           <a:p>
             <a:fld id="{1FD00A54-2F6B-4922-9C88-F023DA4BC44C}" type="datetimeFigureOut">
               <a:rPr lang="zh-CN" altLang="en-US" smtClean="0"/>
-              <a:t>2021/11/6</a:t>
+              <a:t>2021/11/7</a:t>
             </a:fld>
             <a:endParaRPr lang="zh-CN" altLang="en-US"/>
           </a:p>
@@ -1149,7 +1149,7 @@
           <a:p>
             <a:fld id="{1FD00A54-2F6B-4922-9C88-F023DA4BC44C}" type="datetimeFigureOut">
               <a:rPr lang="zh-CN" altLang="en-US" smtClean="0"/>
-              <a:t>2021/11/6</a:t>
+              <a:t>2021/11/7</a:t>
             </a:fld>
             <a:endParaRPr lang="zh-CN" altLang="en-US"/>
           </a:p>
@@ -1414,7 +1414,7 @@
           <a:p>
             <a:fld id="{1FD00A54-2F6B-4922-9C88-F023DA4BC44C}" type="datetimeFigureOut">
               <a:rPr lang="zh-CN" altLang="en-US" smtClean="0"/>
-              <a:t>2021/11/6</a:t>
+              <a:t>2021/11/7</a:t>
             </a:fld>
             <a:endParaRPr lang="zh-CN" altLang="en-US"/>
           </a:p>
@@ -1826,7 +1826,7 @@
           <a:p>
             <a:fld id="{1FD00A54-2F6B-4922-9C88-F023DA4BC44C}" type="datetimeFigureOut">
               <a:rPr lang="zh-CN" altLang="en-US" smtClean="0"/>
-              <a:t>2021/11/6</a:t>
+              <a:t>2021/11/7</a:t>
             </a:fld>
             <a:endParaRPr lang="zh-CN" altLang="en-US"/>
           </a:p>
@@ -1967,7 +1967,7 @@
           <a:p>
             <a:fld id="{1FD00A54-2F6B-4922-9C88-F023DA4BC44C}" type="datetimeFigureOut">
               <a:rPr lang="zh-CN" altLang="en-US" smtClean="0"/>
-              <a:t>2021/11/6</a:t>
+              <a:t>2021/11/7</a:t>
             </a:fld>
             <a:endParaRPr lang="zh-CN" altLang="en-US"/>
           </a:p>
@@ -2080,7 +2080,7 @@
           <a:p>
             <a:fld id="{1FD00A54-2F6B-4922-9C88-F023DA4BC44C}" type="datetimeFigureOut">
               <a:rPr lang="zh-CN" altLang="en-US" smtClean="0"/>
-              <a:t>2021/11/6</a:t>
+              <a:t>2021/11/7</a:t>
             </a:fld>
             <a:endParaRPr lang="zh-CN" altLang="en-US"/>
           </a:p>
@@ -2391,7 +2391,7 @@
           <a:p>
             <a:fld id="{1FD00A54-2F6B-4922-9C88-F023DA4BC44C}" type="datetimeFigureOut">
               <a:rPr lang="zh-CN" altLang="en-US" smtClean="0"/>
-              <a:t>2021/11/6</a:t>
+              <a:t>2021/11/7</a:t>
             </a:fld>
             <a:endParaRPr lang="zh-CN" altLang="en-US"/>
           </a:p>
@@ -2679,7 +2679,7 @@
           <a:p>
             <a:fld id="{1FD00A54-2F6B-4922-9C88-F023DA4BC44C}" type="datetimeFigureOut">
               <a:rPr lang="zh-CN" altLang="en-US" smtClean="0"/>
-              <a:t>2021/11/6</a:t>
+              <a:t>2021/11/7</a:t>
             </a:fld>
             <a:endParaRPr lang="zh-CN" altLang="en-US"/>
           </a:p>
@@ -2920,7 +2920,7 @@
           <a:p>
             <a:fld id="{1FD00A54-2F6B-4922-9C88-F023DA4BC44C}" type="datetimeFigureOut">
               <a:rPr lang="zh-CN" altLang="en-US" smtClean="0"/>
-              <a:t>2021/11/6</a:t>
+              <a:t>2021/11/7</a:t>
             </a:fld>
             <a:endParaRPr lang="zh-CN" altLang="en-US"/>
           </a:p>
@@ -3844,8 +3844,8 @@
         </p:nvSpPr>
         <p:spPr>
           <a:xfrm>
-            <a:off x="5770562" y="3033689"/>
-            <a:ext cx="2256632" cy="320409"/>
+            <a:off x="4816102" y="3321336"/>
+            <a:ext cx="1115638" cy="574324"/>
           </a:xfrm>
           <a:prstGeom prst="rect">
             <a:avLst/>
@@ -3865,7 +3865,18 @@
             </a:pPr>
             <a:r>
               <a:rPr lang="en-US" altLang="zh-CN" sz="1100" dirty="0"/>
-              <a:t>Counting Time 0.422ms, 5.82% </a:t>
+              <a:t>Counting Time</a:t>
+            </a:r>
+          </a:p>
+          <a:p>
+            <a:pPr algn="ctr">
+              <a:lnSpc>
+                <a:spcPct val="150000"/>
+              </a:lnSpc>
+            </a:pPr>
+            <a:r>
+              <a:rPr lang="en-US" altLang="zh-CN" sz="1100" dirty="0"/>
+              <a:t> 0.422ms, 5.82% </a:t>
             </a:r>
             <a:endParaRPr lang="zh-CN" altLang="en-US" sz="1100" dirty="0"/>
           </a:p>
@@ -3881,14 +3892,16 @@
             </a:extLst>
           </p:cNvPr>
           <p:cNvCxnSpPr>
-            <a:stCxn id="6" idx="0"/>
+            <a:cxnSpLocks/>
+            <a:stCxn id="6" idx="1"/>
+            <a:endCxn id="9" idx="3"/>
           </p:cNvCxnSpPr>
           <p:nvPr/>
         </p:nvCxnSpPr>
         <p:spPr>
-          <a:xfrm flipV="1">
-            <a:off x="6200400" y="3324225"/>
-            <a:ext cx="78956" cy="104775"/>
+          <a:xfrm flipH="1" flipV="1">
+            <a:off x="5931740" y="3608498"/>
+            <a:ext cx="164260" cy="1"/>
           </a:xfrm>
           <a:prstGeom prst="line">
             <a:avLst/>
@@ -3928,8 +3941,8 @@
         </p:nvSpPr>
         <p:spPr>
           <a:xfrm>
-            <a:off x="7922419" y="3033689"/>
-            <a:ext cx="2131875" cy="320409"/>
+            <a:off x="9881861" y="3321336"/>
+            <a:ext cx="1197927" cy="574324"/>
           </a:xfrm>
           <a:prstGeom prst="rect">
             <a:avLst/>
@@ -3942,14 +3955,25 @@
           </a:bodyPr>
           <a:lstStyle/>
           <a:p>
-            <a:pPr algn="ctr">
+            <a:pPr>
               <a:lnSpc>
                 <a:spcPct val="150000"/>
               </a:lnSpc>
             </a:pPr>
             <a:r>
               <a:rPr lang="en-US" altLang="zh-CN" sz="1100" dirty="0"/>
-              <a:t>Comparing Time 0.045ms, 0.62% </a:t>
+              <a:t>Comparing Time </a:t>
+            </a:r>
+          </a:p>
+          <a:p>
+            <a:pPr>
+              <a:lnSpc>
+                <a:spcPct val="150000"/>
+              </a:lnSpc>
+            </a:pPr>
+            <a:r>
+              <a:rPr lang="en-US" altLang="zh-CN" sz="1100" dirty="0"/>
+              <a:t>0.045ms, 0.62% </a:t>
             </a:r>
             <a:endParaRPr lang="zh-CN" altLang="en-US" sz="1100" dirty="0"/>
           </a:p>
@@ -3965,14 +3989,16 @@
             </a:extLst>
           </p:cNvPr>
           <p:cNvCxnSpPr>
-            <a:stCxn id="5" idx="0"/>
+            <a:cxnSpLocks/>
+            <a:stCxn id="5" idx="3"/>
+            <a:endCxn id="12" idx="1"/>
           </p:cNvCxnSpPr>
           <p:nvPr/>
         </p:nvCxnSpPr>
         <p:spPr>
-          <a:xfrm flipH="1" flipV="1">
-            <a:off x="9558338" y="3324225"/>
-            <a:ext cx="126862" cy="104775"/>
+          <a:xfrm flipV="1">
+            <a:off x="9696000" y="3608498"/>
+            <a:ext cx="185861" cy="1"/>
           </a:xfrm>
           <a:prstGeom prst="line">
             <a:avLst/>

--- a/pictures/REINTimeDistribution.pptx
+++ b/pictures/REINTimeDistribution.pptx
@@ -3488,33 +3488,41 @@
               </a:lnSpc>
             </a:pPr>
             <a:r>
-              <a:rPr lang="en-US" altLang="zh-CN" dirty="0">
+              <a:rPr lang="en-US" altLang="zh-CN" b="1" dirty="0">
                 <a:solidFill>
                   <a:schemeClr val="tx1"/>
                 </a:solidFill>
+                <a:latin typeface="Times New Roman" panose="02020603050405020304" pitchFamily="18" charset="0"/>
+                <a:cs typeface="Times New Roman" panose="02020603050405020304" pitchFamily="18" charset="0"/>
               </a:rPr>
               <a:t>Marking Time 6.79ms,</a:t>
             </a:r>
             <a:r>
-              <a:rPr lang="zh-CN" altLang="en-US" dirty="0">
+              <a:rPr lang="zh-CN" altLang="en-US" b="1" dirty="0">
                 <a:solidFill>
                   <a:schemeClr val="tx1"/>
                 </a:solidFill>
+                <a:latin typeface="Times New Roman" panose="02020603050405020304" pitchFamily="18" charset="0"/>
+                <a:cs typeface="Times New Roman" panose="02020603050405020304" pitchFamily="18" charset="0"/>
               </a:rPr>
               <a:t> </a:t>
             </a:r>
             <a:r>
-              <a:rPr lang="en-US" altLang="zh-CN" dirty="0">
+              <a:rPr lang="en-US" altLang="zh-CN" b="1" dirty="0">
                 <a:solidFill>
                   <a:schemeClr val="tx1"/>
                 </a:solidFill>
+                <a:latin typeface="Times New Roman" panose="02020603050405020304" pitchFamily="18" charset="0"/>
+                <a:cs typeface="Times New Roman" panose="02020603050405020304" pitchFamily="18" charset="0"/>
               </a:rPr>
               <a:t>93.56%</a:t>
             </a:r>
-            <a:endParaRPr lang="zh-CN" altLang="en-US" sz="1100" dirty="0">
+            <a:endParaRPr lang="zh-CN" altLang="en-US" sz="1100" b="1" dirty="0">
               <a:solidFill>
                 <a:schemeClr val="tx1"/>
               </a:solidFill>
+              <a:latin typeface="Times New Roman" panose="02020603050405020304" pitchFamily="18" charset="0"/>
+              <a:cs typeface="Times New Roman" panose="02020603050405020304" pitchFamily="18" charset="0"/>
             </a:endParaRPr>
           </a:p>
         </p:txBody>
@@ -3540,11 +3548,11 @@
             <a:avLst/>
           </a:prstGeom>
           <a:solidFill>
-            <a:srgbClr val="FFCCCC"/>
+            <a:srgbClr val="00B050"/>
           </a:solidFill>
           <a:ln>
             <a:solidFill>
-              <a:srgbClr val="FFCCCC"/>
+              <a:srgbClr val="00B050"/>
             </a:solidFill>
           </a:ln>
         </p:spPr>
@@ -3667,7 +3675,7 @@
             <a:pPr algn="l"/>
             <a:endParaRPr lang="zh-CN" altLang="en-US" sz="1100">
               <a:solidFill>
-                <a:srgbClr val="FF0000"/>
+                <a:srgbClr val="00B050"/>
               </a:solidFill>
             </a:endParaRPr>
           </a:p>
@@ -3844,8 +3852,8 @@
         </p:nvSpPr>
         <p:spPr>
           <a:xfrm>
-            <a:off x="4816102" y="3321336"/>
-            <a:ext cx="1115638" cy="574324"/>
+            <a:off x="4772025" y="3321336"/>
+            <a:ext cx="1159715" cy="569771"/>
           </a:xfrm>
           <a:prstGeom prst="rect">
             <a:avLst/>
@@ -3864,8 +3872,11 @@
               </a:lnSpc>
             </a:pPr>
             <a:r>
-              <a:rPr lang="en-US" altLang="zh-CN" sz="1100" dirty="0"/>
-              <a:t>Counting Time</a:t>
+              <a:rPr lang="en-US" altLang="zh-CN" sz="1100" b="1" dirty="0">
+                <a:latin typeface="Times New Roman" panose="02020603050405020304" pitchFamily="18" charset="0"/>
+                <a:cs typeface="Times New Roman" panose="02020603050405020304" pitchFamily="18" charset="0"/>
+              </a:rPr>
+              <a:t>Checking Time</a:t>
             </a:r>
           </a:p>
           <a:p>
@@ -3875,10 +3886,16 @@
               </a:lnSpc>
             </a:pPr>
             <a:r>
-              <a:rPr lang="en-US" altLang="zh-CN" sz="1100" dirty="0"/>
+              <a:rPr lang="en-US" altLang="zh-CN" sz="1100" b="1" dirty="0">
+                <a:latin typeface="Times New Roman" panose="02020603050405020304" pitchFamily="18" charset="0"/>
+                <a:cs typeface="Times New Roman" panose="02020603050405020304" pitchFamily="18" charset="0"/>
+              </a:rPr>
               <a:t> 0.422ms, 5.82% </a:t>
             </a:r>
-            <a:endParaRPr lang="zh-CN" altLang="en-US" sz="1100" dirty="0"/>
+            <a:endParaRPr lang="zh-CN" altLang="en-US" sz="1100" b="1" dirty="0">
+              <a:latin typeface="Times New Roman" panose="02020603050405020304" pitchFamily="18" charset="0"/>
+              <a:cs typeface="Times New Roman" panose="02020603050405020304" pitchFamily="18" charset="0"/>
+            </a:endParaRPr>
           </a:p>
         </p:txBody>
       </p:sp>
@@ -3900,8 +3917,8 @@
         </p:nvCxnSpPr>
         <p:spPr>
           <a:xfrm flipH="1" flipV="1">
-            <a:off x="5931740" y="3608498"/>
-            <a:ext cx="164260" cy="1"/>
+            <a:off x="5931740" y="3606222"/>
+            <a:ext cx="164260" cy="2277"/>
           </a:xfrm>
           <a:prstGeom prst="line">
             <a:avLst/>
@@ -3942,7 +3959,7 @@
         <p:spPr>
           <a:xfrm>
             <a:off x="9881861" y="3321336"/>
-            <a:ext cx="1197927" cy="574324"/>
+            <a:ext cx="1245720" cy="574324"/>
           </a:xfrm>
           <a:prstGeom prst="rect">
             <a:avLst/>
@@ -3961,7 +3978,10 @@
               </a:lnSpc>
             </a:pPr>
             <a:r>
-              <a:rPr lang="en-US" altLang="zh-CN" sz="1100" dirty="0"/>
+              <a:rPr lang="en-US" altLang="zh-CN" sz="1100" b="1" dirty="0">
+                <a:latin typeface="Times New Roman" panose="02020603050405020304" pitchFamily="18" charset="0"/>
+                <a:cs typeface="Times New Roman" panose="02020603050405020304" pitchFamily="18" charset="0"/>
+              </a:rPr>
               <a:t>Comparing Time </a:t>
             </a:r>
           </a:p>
@@ -3972,10 +3992,16 @@
               </a:lnSpc>
             </a:pPr>
             <a:r>
-              <a:rPr lang="en-US" altLang="zh-CN" sz="1100" dirty="0"/>
+              <a:rPr lang="en-US" altLang="zh-CN" sz="1100" b="1" dirty="0">
+                <a:latin typeface="Times New Roman" panose="02020603050405020304" pitchFamily="18" charset="0"/>
+                <a:cs typeface="Times New Roman" panose="02020603050405020304" pitchFamily="18" charset="0"/>
+              </a:rPr>
               <a:t>0.045ms, 0.62% </a:t>
             </a:r>
-            <a:endParaRPr lang="zh-CN" altLang="en-US" sz="1100" dirty="0"/>
+            <a:endParaRPr lang="zh-CN" altLang="en-US" sz="1100" b="1" dirty="0">
+              <a:latin typeface="Times New Roman" panose="02020603050405020304" pitchFamily="18" charset="0"/>
+              <a:cs typeface="Times New Roman" panose="02020603050405020304" pitchFamily="18" charset="0"/>
+            </a:endParaRPr>
           </a:p>
         </p:txBody>
       </p:sp>
@@ -4005,7 +4031,7 @@
           </a:prstGeom>
           <a:ln w="12700">
             <a:solidFill>
-              <a:srgbClr val="FFCCCC"/>
+              <a:srgbClr val="00B050"/>
             </a:solidFill>
           </a:ln>
         </p:spPr>
